--- a/Examples/Data/Charts/ErrorBarsCustomValues_out.pptx
+++ b/Examples/Data/Charts/ErrorBarsCustomValues_out.pptx
@@ -1,6 +1,6 @@
 
 <file path=ppt/presentation.xml><?xml version="1.0" encoding="utf-8"?>
-<!--Generated by Aspose.Slides for .NET 19.6-->
+<!--Generated by Aspose.Slides for .NET 21.12-->
 <p:presentation xmlns:r="http://schemas.openxmlformats.org/officeDocument/2006/relationships" xmlns:a="http://schemas.openxmlformats.org/drawingml/2006/main" xmlns:p="http://schemas.openxmlformats.org/presentationml/2006/main" saveSubsetFonts="1">
   <p:sldMasterIdLst>
     <p:sldMasterId id="2147483648" r:id="rId1"/>
@@ -112,7 +112,7 @@
 </file>
 
 <file path=ppt/charts/chart1.xml><?xml version="1.0" encoding="utf-8"?>
-<c:chartSpace xmlns:a="http://schemas.openxmlformats.org/drawingml/2006/main" xmlns:r="http://schemas.openxmlformats.org/officeDocument/2006/relationships" xmlns:c="http://schemas.openxmlformats.org/drawingml/2006/chart">
+<c:chartSpace xmlns:a="http://schemas.openxmlformats.org/drawingml/2006/main" xmlns:r="http://schemas.openxmlformats.org/officeDocument/2006/relationships" xmlns:m="http://schemas.openxmlformats.org/officeDocument/2006/math" xmlns:w="http://schemas.openxmlformats.org/wordprocessingml/2006/main" xmlns:wp="http://schemas.openxmlformats.org/drawingml/2006/wordprocessingDrawing" xmlns:a14="http://schemas.microsoft.com/office/drawing/2010/main" xmlns:c="http://schemas.openxmlformats.org/drawingml/2006/chart">
   <c:date1904 val="0"/>
   <c:lang val="ru-RU"/>
   <c:roundedCorners val="0"/>
@@ -341,11 +341,11 @@
 </file>
 
 <file path=ppt/slideLayouts/slideLayout1.xml><?xml version="1.0" encoding="utf-8"?>
-<p:sldLayout xmlns:a="http://schemas.openxmlformats.org/drawingml/2006/main" xmlns:r="http://schemas.openxmlformats.org/officeDocument/2006/relationships" xmlns:p14="http://schemas.microsoft.com/office/powerpoint/2010/main" xmlns:a14="http://schemas.microsoft.com/office/drawing/2010/main" xmlns:p15="http://schemas.microsoft.com/office/powerpoint/2012/main" xmlns:p159="http://schemas.microsoft.com/office/powerpoint/2015/09/main" xmlns:p="http://schemas.openxmlformats.org/presentationml/2006/main" type="title" preserve="1">
+<p:sldLayout xmlns:a="http://schemas.openxmlformats.org/drawingml/2006/main" xmlns:r="http://schemas.openxmlformats.org/officeDocument/2006/relationships" xmlns:m="http://schemas.openxmlformats.org/officeDocument/2006/math" xmlns:w="http://schemas.openxmlformats.org/wordprocessingml/2006/main" xmlns:wp="http://schemas.openxmlformats.org/drawingml/2006/wordprocessingDrawing" xmlns:a14="http://schemas.microsoft.com/office/drawing/2010/main" xmlns:mc="http://schemas.openxmlformats.org/markup-compatibility/2006" xmlns:p14="http://schemas.microsoft.com/office/powerpoint/2010/main" xmlns:p15="http://schemas.microsoft.com/office/powerpoint/2012/main" xmlns:p159="http://schemas.microsoft.com/office/powerpoint/2015/09/main" xmlns:p="http://schemas.openxmlformats.org/presentationml/2006/main" type="title" preserve="1">
   <p:cSld name="Title Slide">
     <p:spTree>
       <p:nvGrpSpPr>
-        <p:cNvPr id="1" name=""/>
+        <p:cNvPr id="1" name="" title=""/>
         <p:cNvGrpSpPr/>
         <p:nvPr/>
       </p:nvGrpSpPr>
@@ -357,7 +357,7 @@
       </p:grpSpPr>
       <p:sp>
         <p:nvSpPr>
-          <p:cNvPr id="2" name="Title 1"/>
+          <p:cNvPr id="2" name="Title 1" title=""/>
           <p:cNvSpPr>
             <a:spLocks noGrp="1"/>
           </p:cNvSpPr>
@@ -380,7 +380,7 @@
       </p:sp>
       <p:sp>
         <p:nvSpPr>
-          <p:cNvPr id="3" name="Subtitle 2"/>
+          <p:cNvPr id="3" name="Subtitle 2" title=""/>
           <p:cNvSpPr>
             <a:spLocks noGrp="1"/>
           </p:cNvSpPr>
@@ -494,7 +494,7 @@
       </p:sp>
       <p:sp>
         <p:nvSpPr>
-          <p:cNvPr id="4" name="Date Placeholder 3"/>
+          <p:cNvPr id="4" name="Date Placeholder 3" title=""/>
           <p:cNvSpPr>
             <a:spLocks noGrp="1"/>
           </p:cNvSpPr>
@@ -507,7 +507,7 @@
           <a:bodyPr/>
           <a:lstStyle/>
           <a:p>
-            <a:fld id="{A5268231-E604-490A-BF34-A83407952E74}" type="datetimeFigureOut">
+            <a:fld id="{565B9374-67DE-405C-8A68-46B333E208C7}" type="datetimeFigureOut">
               <a:rPr lang="en-US" smtClean="0"/>
               <a:t>11/7/2009</a:t>
             </a:fld>
@@ -517,7 +517,7 @@
       </p:sp>
       <p:sp>
         <p:nvSpPr>
-          <p:cNvPr id="5" name="Footer Placeholder 4"/>
+          <p:cNvPr id="5" name="Footer Placeholder 4" title=""/>
           <p:cNvSpPr>
             <a:spLocks noGrp="1"/>
           </p:cNvSpPr>
@@ -536,7 +536,7 @@
       </p:sp>
       <p:sp>
         <p:nvSpPr>
-          <p:cNvPr id="6" name="Slide Number Placeholder 5"/>
+          <p:cNvPr id="6" name="Slide Number Placeholder 5" title=""/>
           <p:cNvSpPr>
             <a:spLocks noGrp="1"/>
           </p:cNvSpPr>
@@ -568,11 +568,11 @@
 </file>
 
 <file path=ppt/slideLayouts/slideLayout10.xml><?xml version="1.0" encoding="utf-8"?>
-<p:sldLayout xmlns:a="http://schemas.openxmlformats.org/drawingml/2006/main" xmlns:r="http://schemas.openxmlformats.org/officeDocument/2006/relationships" xmlns:p14="http://schemas.microsoft.com/office/powerpoint/2010/main" xmlns:a14="http://schemas.microsoft.com/office/drawing/2010/main" xmlns:p15="http://schemas.microsoft.com/office/powerpoint/2012/main" xmlns:p159="http://schemas.microsoft.com/office/powerpoint/2015/09/main" xmlns:p="http://schemas.openxmlformats.org/presentationml/2006/main" type="vertTx" preserve="1">
+<p:sldLayout xmlns:a="http://schemas.openxmlformats.org/drawingml/2006/main" xmlns:r="http://schemas.openxmlformats.org/officeDocument/2006/relationships" xmlns:m="http://schemas.openxmlformats.org/officeDocument/2006/math" xmlns:w="http://schemas.openxmlformats.org/wordprocessingml/2006/main" xmlns:wp="http://schemas.openxmlformats.org/drawingml/2006/wordprocessingDrawing" xmlns:a14="http://schemas.microsoft.com/office/drawing/2010/main" xmlns:mc="http://schemas.openxmlformats.org/markup-compatibility/2006" xmlns:p14="http://schemas.microsoft.com/office/powerpoint/2010/main" xmlns:p15="http://schemas.microsoft.com/office/powerpoint/2012/main" xmlns:p159="http://schemas.microsoft.com/office/powerpoint/2015/09/main" xmlns:p="http://schemas.openxmlformats.org/presentationml/2006/main" type="vertTx" preserve="1">
   <p:cSld name="Title and Vertical Text">
     <p:spTree>
       <p:nvGrpSpPr>
-        <p:cNvPr id="1" name=""/>
+        <p:cNvPr id="1" name="" title=""/>
         <p:cNvGrpSpPr/>
         <p:nvPr/>
       </p:nvGrpSpPr>
@@ -584,7 +584,7 @@
       </p:grpSpPr>
       <p:sp>
         <p:nvSpPr>
-          <p:cNvPr id="2" name="Title 1"/>
+          <p:cNvPr id="2" name="Title 1" title=""/>
           <p:cNvSpPr>
             <a:spLocks noGrp="1"/>
           </p:cNvSpPr>
@@ -607,7 +607,7 @@
       </p:sp>
       <p:sp>
         <p:nvSpPr>
-          <p:cNvPr id="3" name="Vertical Text Placeholder 2"/>
+          <p:cNvPr id="3" name="Vertical Text Placeholder 2" title=""/>
           <p:cNvSpPr>
             <a:spLocks noGrp="1"/>
           </p:cNvSpPr>
@@ -658,7 +658,7 @@
       </p:sp>
       <p:sp>
         <p:nvSpPr>
-          <p:cNvPr id="4" name="Date Placeholder 3"/>
+          <p:cNvPr id="4" name="Date Placeholder 3" title=""/>
           <p:cNvSpPr>
             <a:spLocks noGrp="1"/>
           </p:cNvSpPr>
@@ -671,7 +671,7 @@
           <a:bodyPr/>
           <a:lstStyle/>
           <a:p>
-            <a:fld id="{A6A4CC8A-985A-483B-B14E-B604CCFB7778}" type="datetimeFigureOut">
+            <a:fld id="{FF191CDB-BA51-4DA5-827D-23F3A6706B88}" type="datetimeFigureOut">
               <a:rPr lang="en-US" smtClean="0"/>
               <a:t>11/7/2009</a:t>
             </a:fld>
@@ -681,7 +681,7 @@
       </p:sp>
       <p:sp>
         <p:nvSpPr>
-          <p:cNvPr id="5" name="Footer Placeholder 4"/>
+          <p:cNvPr id="5" name="Footer Placeholder 4" title=""/>
           <p:cNvSpPr>
             <a:spLocks noGrp="1"/>
           </p:cNvSpPr>
@@ -700,7 +700,7 @@
       </p:sp>
       <p:sp>
         <p:nvSpPr>
-          <p:cNvPr id="6" name="Slide Number Placeholder 5"/>
+          <p:cNvPr id="6" name="Slide Number Placeholder 5" title=""/>
           <p:cNvSpPr>
             <a:spLocks noGrp="1"/>
           </p:cNvSpPr>
@@ -732,11 +732,11 @@
 </file>
 
 <file path=ppt/slideLayouts/slideLayout11.xml><?xml version="1.0" encoding="utf-8"?>
-<p:sldLayout xmlns:a="http://schemas.openxmlformats.org/drawingml/2006/main" xmlns:r="http://schemas.openxmlformats.org/officeDocument/2006/relationships" xmlns:p14="http://schemas.microsoft.com/office/powerpoint/2010/main" xmlns:a14="http://schemas.microsoft.com/office/drawing/2010/main" xmlns:p15="http://schemas.microsoft.com/office/powerpoint/2012/main" xmlns:p159="http://schemas.microsoft.com/office/powerpoint/2015/09/main" xmlns:p="http://schemas.openxmlformats.org/presentationml/2006/main" type="vertTitleAndTx" preserve="1">
+<p:sldLayout xmlns:a="http://schemas.openxmlformats.org/drawingml/2006/main" xmlns:r="http://schemas.openxmlformats.org/officeDocument/2006/relationships" xmlns:m="http://schemas.openxmlformats.org/officeDocument/2006/math" xmlns:w="http://schemas.openxmlformats.org/wordprocessingml/2006/main" xmlns:wp="http://schemas.openxmlformats.org/drawingml/2006/wordprocessingDrawing" xmlns:a14="http://schemas.microsoft.com/office/drawing/2010/main" xmlns:mc="http://schemas.openxmlformats.org/markup-compatibility/2006" xmlns:p14="http://schemas.microsoft.com/office/powerpoint/2010/main" xmlns:p15="http://schemas.microsoft.com/office/powerpoint/2012/main" xmlns:p159="http://schemas.microsoft.com/office/powerpoint/2015/09/main" xmlns:p="http://schemas.openxmlformats.org/presentationml/2006/main" type="vertTitleAndTx" preserve="1">
   <p:cSld name="Vertical Title and Text">
     <p:spTree>
       <p:nvGrpSpPr>
-        <p:cNvPr id="1" name=""/>
+        <p:cNvPr id="1" name="" title=""/>
         <p:cNvGrpSpPr/>
         <p:nvPr/>
       </p:nvGrpSpPr>
@@ -748,7 +748,7 @@
       </p:grpSpPr>
       <p:sp>
         <p:nvSpPr>
-          <p:cNvPr id="2" name="Vertical Title 1"/>
+          <p:cNvPr id="2" name="Vertical Title 1" title=""/>
           <p:cNvSpPr>
             <a:spLocks noGrp="1"/>
           </p:cNvSpPr>
@@ -771,7 +771,7 @@
       </p:sp>
       <p:sp>
         <p:nvSpPr>
-          <p:cNvPr id="3" name="Vertical Text Placeholder 2"/>
+          <p:cNvPr id="3" name="Vertical Text Placeholder 2" title=""/>
           <p:cNvSpPr>
             <a:spLocks noGrp="1"/>
           </p:cNvSpPr>
@@ -822,7 +822,7 @@
       </p:sp>
       <p:sp>
         <p:nvSpPr>
-          <p:cNvPr id="4" name="Date Placeholder 3"/>
+          <p:cNvPr id="4" name="Date Placeholder 3" title=""/>
           <p:cNvSpPr>
             <a:spLocks noGrp="1"/>
           </p:cNvSpPr>
@@ -835,7 +835,7 @@
           <a:bodyPr/>
           <a:lstStyle/>
           <a:p>
-            <a:fld id="{AFA927EC-5A09-4FBF-B2B0-7CAED40D698A}" type="datetimeFigureOut">
+            <a:fld id="{C0AF2007-9265-4FF8-B466-656901EA8BC7}" type="datetimeFigureOut">
               <a:rPr lang="en-US" smtClean="0"/>
               <a:t>11/7/2009</a:t>
             </a:fld>
@@ -845,7 +845,7 @@
       </p:sp>
       <p:sp>
         <p:nvSpPr>
-          <p:cNvPr id="5" name="Footer Placeholder 4"/>
+          <p:cNvPr id="5" name="Footer Placeholder 4" title=""/>
           <p:cNvSpPr>
             <a:spLocks noGrp="1"/>
           </p:cNvSpPr>
@@ -864,7 +864,7 @@
       </p:sp>
       <p:sp>
         <p:nvSpPr>
-          <p:cNvPr id="6" name="Slide Number Placeholder 5"/>
+          <p:cNvPr id="6" name="Slide Number Placeholder 5" title=""/>
           <p:cNvSpPr>
             <a:spLocks noGrp="1"/>
           </p:cNvSpPr>
@@ -896,11 +896,11 @@
 </file>
 
 <file path=ppt/slideLayouts/slideLayout2.xml><?xml version="1.0" encoding="utf-8"?>
-<p:sldLayout xmlns:a="http://schemas.openxmlformats.org/drawingml/2006/main" xmlns:r="http://schemas.openxmlformats.org/officeDocument/2006/relationships" xmlns:p14="http://schemas.microsoft.com/office/powerpoint/2010/main" xmlns:a14="http://schemas.microsoft.com/office/drawing/2010/main" xmlns:p15="http://schemas.microsoft.com/office/powerpoint/2012/main" xmlns:p159="http://schemas.microsoft.com/office/powerpoint/2015/09/main" xmlns:p="http://schemas.openxmlformats.org/presentationml/2006/main" type="obj" preserve="1">
+<p:sldLayout xmlns:a="http://schemas.openxmlformats.org/drawingml/2006/main" xmlns:r="http://schemas.openxmlformats.org/officeDocument/2006/relationships" xmlns:m="http://schemas.openxmlformats.org/officeDocument/2006/math" xmlns:w="http://schemas.openxmlformats.org/wordprocessingml/2006/main" xmlns:wp="http://schemas.openxmlformats.org/drawingml/2006/wordprocessingDrawing" xmlns:a14="http://schemas.microsoft.com/office/drawing/2010/main" xmlns:mc="http://schemas.openxmlformats.org/markup-compatibility/2006" xmlns:p14="http://schemas.microsoft.com/office/powerpoint/2010/main" xmlns:p15="http://schemas.microsoft.com/office/powerpoint/2012/main" xmlns:p159="http://schemas.microsoft.com/office/powerpoint/2015/09/main" xmlns:p="http://schemas.openxmlformats.org/presentationml/2006/main" type="obj" preserve="1">
   <p:cSld name="Title and Content">
     <p:spTree>
       <p:nvGrpSpPr>
-        <p:cNvPr id="1" name=""/>
+        <p:cNvPr id="1" name="" title=""/>
         <p:cNvGrpSpPr/>
         <p:nvPr/>
       </p:nvGrpSpPr>
@@ -912,7 +912,7 @@
       </p:grpSpPr>
       <p:sp>
         <p:nvSpPr>
-          <p:cNvPr id="2" name="Title 1"/>
+          <p:cNvPr id="2" name="Title 1" title=""/>
           <p:cNvSpPr>
             <a:spLocks noGrp="1"/>
           </p:cNvSpPr>
@@ -935,7 +935,7 @@
       </p:sp>
       <p:sp>
         <p:nvSpPr>
-          <p:cNvPr id="3" name="Content Placeholder 2"/>
+          <p:cNvPr id="3" name="Content Placeholder 2" title=""/>
           <p:cNvSpPr>
             <a:spLocks noGrp="1"/>
           </p:cNvSpPr>
@@ -986,7 +986,7 @@
       </p:sp>
       <p:sp>
         <p:nvSpPr>
-          <p:cNvPr id="4" name="Date Placeholder 3"/>
+          <p:cNvPr id="4" name="Date Placeholder 3" title=""/>
           <p:cNvSpPr>
             <a:spLocks noGrp="1"/>
           </p:cNvSpPr>
@@ -999,7 +999,7 @@
           <a:bodyPr/>
           <a:lstStyle/>
           <a:p>
-            <a:fld id="{73BB5946-03C7-4C87-BC99-FBA7D17D8FEC}" type="datetimeFigureOut">
+            <a:fld id="{40E55AFA-420E-4D39-8ECA-0757515E934E}" type="datetimeFigureOut">
               <a:rPr lang="en-US" smtClean="0"/>
               <a:t>11/7/2009</a:t>
             </a:fld>
@@ -1009,7 +1009,7 @@
       </p:sp>
       <p:sp>
         <p:nvSpPr>
-          <p:cNvPr id="5" name="Footer Placeholder 4"/>
+          <p:cNvPr id="5" name="Footer Placeholder 4" title=""/>
           <p:cNvSpPr>
             <a:spLocks noGrp="1"/>
           </p:cNvSpPr>
@@ -1028,7 +1028,7 @@
       </p:sp>
       <p:sp>
         <p:nvSpPr>
-          <p:cNvPr id="6" name="Slide Number Placeholder 5"/>
+          <p:cNvPr id="6" name="Slide Number Placeholder 5" title=""/>
           <p:cNvSpPr>
             <a:spLocks noGrp="1"/>
           </p:cNvSpPr>
@@ -1060,11 +1060,11 @@
 </file>
 
 <file path=ppt/slideLayouts/slideLayout3.xml><?xml version="1.0" encoding="utf-8"?>
-<p:sldLayout xmlns:a="http://schemas.openxmlformats.org/drawingml/2006/main" xmlns:r="http://schemas.openxmlformats.org/officeDocument/2006/relationships" xmlns:p14="http://schemas.microsoft.com/office/powerpoint/2010/main" xmlns:a14="http://schemas.microsoft.com/office/drawing/2010/main" xmlns:p15="http://schemas.microsoft.com/office/powerpoint/2012/main" xmlns:p159="http://schemas.microsoft.com/office/powerpoint/2015/09/main" xmlns:p="http://schemas.openxmlformats.org/presentationml/2006/main" type="secHead" preserve="1">
+<p:sldLayout xmlns:a="http://schemas.openxmlformats.org/drawingml/2006/main" xmlns:r="http://schemas.openxmlformats.org/officeDocument/2006/relationships" xmlns:m="http://schemas.openxmlformats.org/officeDocument/2006/math" xmlns:w="http://schemas.openxmlformats.org/wordprocessingml/2006/main" xmlns:wp="http://schemas.openxmlformats.org/drawingml/2006/wordprocessingDrawing" xmlns:a14="http://schemas.microsoft.com/office/drawing/2010/main" xmlns:mc="http://schemas.openxmlformats.org/markup-compatibility/2006" xmlns:p14="http://schemas.microsoft.com/office/powerpoint/2010/main" xmlns:p15="http://schemas.microsoft.com/office/powerpoint/2012/main" xmlns:p159="http://schemas.microsoft.com/office/powerpoint/2015/09/main" xmlns:p="http://schemas.openxmlformats.org/presentationml/2006/main" type="secHead" preserve="1">
   <p:cSld name="Section Header">
     <p:spTree>
       <p:nvGrpSpPr>
-        <p:cNvPr id="1" name=""/>
+        <p:cNvPr id="1" name="" title=""/>
         <p:cNvGrpSpPr/>
         <p:nvPr/>
       </p:nvGrpSpPr>
@@ -1076,7 +1076,7 @@
       </p:grpSpPr>
       <p:sp>
         <p:nvSpPr>
-          <p:cNvPr id="2" name="Title 1"/>
+          <p:cNvPr id="2" name="Title 1" title=""/>
           <p:cNvSpPr>
             <a:spLocks noGrp="1"/>
           </p:cNvSpPr>
@@ -1103,7 +1103,7 @@
       </p:sp>
       <p:sp>
         <p:nvSpPr>
-          <p:cNvPr id="3" name="Text Placeholder 2"/>
+          <p:cNvPr id="3" name="Text Placeholder 2" title=""/>
           <p:cNvSpPr>
             <a:spLocks noGrp="1"/>
           </p:cNvSpPr>
@@ -1216,7 +1216,7 @@
       </p:sp>
       <p:sp>
         <p:nvSpPr>
-          <p:cNvPr id="4" name="Date Placeholder 3"/>
+          <p:cNvPr id="4" name="Date Placeholder 3" title=""/>
           <p:cNvSpPr>
             <a:spLocks noGrp="1"/>
           </p:cNvSpPr>
@@ -1229,7 +1229,7 @@
           <a:bodyPr/>
           <a:lstStyle/>
           <a:p>
-            <a:fld id="{1369862A-FA8D-45C0-B8CB-C062534CF3BB}" type="datetimeFigureOut">
+            <a:fld id="{D73599C8-8332-475E-A21B-B6D5C59CE852}" type="datetimeFigureOut">
               <a:rPr lang="en-US" smtClean="0"/>
               <a:t>11/7/2009</a:t>
             </a:fld>
@@ -1239,7 +1239,7 @@
       </p:sp>
       <p:sp>
         <p:nvSpPr>
-          <p:cNvPr id="5" name="Footer Placeholder 4"/>
+          <p:cNvPr id="5" name="Footer Placeholder 4" title=""/>
           <p:cNvSpPr>
             <a:spLocks noGrp="1"/>
           </p:cNvSpPr>
@@ -1258,7 +1258,7 @@
       </p:sp>
       <p:sp>
         <p:nvSpPr>
-          <p:cNvPr id="6" name="Slide Number Placeholder 5"/>
+          <p:cNvPr id="6" name="Slide Number Placeholder 5" title=""/>
           <p:cNvSpPr>
             <a:spLocks noGrp="1"/>
           </p:cNvSpPr>
@@ -1290,11 +1290,11 @@
 </file>
 
 <file path=ppt/slideLayouts/slideLayout4.xml><?xml version="1.0" encoding="utf-8"?>
-<p:sldLayout xmlns:a="http://schemas.openxmlformats.org/drawingml/2006/main" xmlns:r="http://schemas.openxmlformats.org/officeDocument/2006/relationships" xmlns:p14="http://schemas.microsoft.com/office/powerpoint/2010/main" xmlns:a14="http://schemas.microsoft.com/office/drawing/2010/main" xmlns:p15="http://schemas.microsoft.com/office/powerpoint/2012/main" xmlns:p159="http://schemas.microsoft.com/office/powerpoint/2015/09/main" xmlns:p="http://schemas.openxmlformats.org/presentationml/2006/main" type="twoObj" preserve="1">
+<p:sldLayout xmlns:a="http://schemas.openxmlformats.org/drawingml/2006/main" xmlns:r="http://schemas.openxmlformats.org/officeDocument/2006/relationships" xmlns:m="http://schemas.openxmlformats.org/officeDocument/2006/math" xmlns:w="http://schemas.openxmlformats.org/wordprocessingml/2006/main" xmlns:wp="http://schemas.openxmlformats.org/drawingml/2006/wordprocessingDrawing" xmlns:a14="http://schemas.microsoft.com/office/drawing/2010/main" xmlns:mc="http://schemas.openxmlformats.org/markup-compatibility/2006" xmlns:p14="http://schemas.microsoft.com/office/powerpoint/2010/main" xmlns:p15="http://schemas.microsoft.com/office/powerpoint/2012/main" xmlns:p159="http://schemas.microsoft.com/office/powerpoint/2015/09/main" xmlns:p="http://schemas.openxmlformats.org/presentationml/2006/main" type="twoObj" preserve="1">
   <p:cSld name="Two Content">
     <p:spTree>
       <p:nvGrpSpPr>
-        <p:cNvPr id="1" name=""/>
+        <p:cNvPr id="1" name="" title=""/>
         <p:cNvGrpSpPr/>
         <p:nvPr/>
       </p:nvGrpSpPr>
@@ -1306,7 +1306,7 @@
       </p:grpSpPr>
       <p:sp>
         <p:nvSpPr>
-          <p:cNvPr id="2" name="Title 1"/>
+          <p:cNvPr id="2" name="Title 1" title=""/>
           <p:cNvSpPr>
             <a:spLocks noGrp="1"/>
           </p:cNvSpPr>
@@ -1329,7 +1329,7 @@
       </p:sp>
       <p:sp>
         <p:nvSpPr>
-          <p:cNvPr id="3" name="Content Placeholder 2"/>
+          <p:cNvPr id="3" name="Content Placeholder 2" title=""/>
           <p:cNvSpPr>
             <a:spLocks noGrp="1"/>
           </p:cNvSpPr>
@@ -1408,7 +1408,7 @@
       </p:sp>
       <p:sp>
         <p:nvSpPr>
-          <p:cNvPr id="4" name="Content Placeholder 3"/>
+          <p:cNvPr id="4" name="Content Placeholder 3" title=""/>
           <p:cNvSpPr>
             <a:spLocks noGrp="1"/>
           </p:cNvSpPr>
@@ -1487,7 +1487,7 @@
       </p:sp>
       <p:sp>
         <p:nvSpPr>
-          <p:cNvPr id="5" name="Date Placeholder 4"/>
+          <p:cNvPr id="5" name="Date Placeholder 4" title=""/>
           <p:cNvSpPr>
             <a:spLocks noGrp="1"/>
           </p:cNvSpPr>
@@ -1500,7 +1500,7 @@
           <a:bodyPr/>
           <a:lstStyle/>
           <a:p>
-            <a:fld id="{AD3221D2-7DF6-46E0-9C22-33812E422B2E}" type="datetimeFigureOut">
+            <a:fld id="{77B87CA2-19B0-461C-AA41-06A75EFD903F}" type="datetimeFigureOut">
               <a:rPr lang="en-US" smtClean="0"/>
               <a:t>11/7/2009</a:t>
             </a:fld>
@@ -1510,7 +1510,7 @@
       </p:sp>
       <p:sp>
         <p:nvSpPr>
-          <p:cNvPr id="6" name="Footer Placeholder 5"/>
+          <p:cNvPr id="6" name="Footer Placeholder 5" title=""/>
           <p:cNvSpPr>
             <a:spLocks noGrp="1"/>
           </p:cNvSpPr>
@@ -1529,7 +1529,7 @@
       </p:sp>
       <p:sp>
         <p:nvSpPr>
-          <p:cNvPr id="7" name="Slide Number Placeholder 6"/>
+          <p:cNvPr id="7" name="Slide Number Placeholder 6" title=""/>
           <p:cNvSpPr>
             <a:spLocks noGrp="1"/>
           </p:cNvSpPr>
@@ -1561,11 +1561,11 @@
 </file>
 
 <file path=ppt/slideLayouts/slideLayout5.xml><?xml version="1.0" encoding="utf-8"?>
-<p:sldLayout xmlns:a="http://schemas.openxmlformats.org/drawingml/2006/main" xmlns:r="http://schemas.openxmlformats.org/officeDocument/2006/relationships" xmlns:p14="http://schemas.microsoft.com/office/powerpoint/2010/main" xmlns:a14="http://schemas.microsoft.com/office/drawing/2010/main" xmlns:p15="http://schemas.microsoft.com/office/powerpoint/2012/main" xmlns:p159="http://schemas.microsoft.com/office/powerpoint/2015/09/main" xmlns:p="http://schemas.openxmlformats.org/presentationml/2006/main" type="twoTxTwoObj" preserve="1">
+<p:sldLayout xmlns:a="http://schemas.openxmlformats.org/drawingml/2006/main" xmlns:r="http://schemas.openxmlformats.org/officeDocument/2006/relationships" xmlns:m="http://schemas.openxmlformats.org/officeDocument/2006/math" xmlns:w="http://schemas.openxmlformats.org/wordprocessingml/2006/main" xmlns:wp="http://schemas.openxmlformats.org/drawingml/2006/wordprocessingDrawing" xmlns:a14="http://schemas.microsoft.com/office/drawing/2010/main" xmlns:mc="http://schemas.openxmlformats.org/markup-compatibility/2006" xmlns:p14="http://schemas.microsoft.com/office/powerpoint/2010/main" xmlns:p15="http://schemas.microsoft.com/office/powerpoint/2012/main" xmlns:p159="http://schemas.microsoft.com/office/powerpoint/2015/09/main" xmlns:p="http://schemas.openxmlformats.org/presentationml/2006/main" type="twoTxTwoObj" preserve="1">
   <p:cSld name="Comparison">
     <p:spTree>
       <p:nvGrpSpPr>
-        <p:cNvPr id="1" name=""/>
+        <p:cNvPr id="1" name="" title=""/>
         <p:cNvGrpSpPr/>
         <p:nvPr/>
       </p:nvGrpSpPr>
@@ -1577,7 +1577,7 @@
       </p:grpSpPr>
       <p:sp>
         <p:nvSpPr>
-          <p:cNvPr id="2" name="Title 1"/>
+          <p:cNvPr id="2" name="Title 1" title=""/>
           <p:cNvSpPr>
             <a:spLocks noGrp="1"/>
           </p:cNvSpPr>
@@ -1600,7 +1600,7 @@
       </p:sp>
       <p:sp>
         <p:nvSpPr>
-          <p:cNvPr id="3" name="Text Placeholder 2"/>
+          <p:cNvPr id="3" name="Text Placeholder 2" title=""/>
           <p:cNvSpPr>
             <a:spLocks noGrp="1"/>
           </p:cNvSpPr>
@@ -1659,7 +1659,7 @@
       </p:sp>
       <p:sp>
         <p:nvSpPr>
-          <p:cNvPr id="4" name="Content Placeholder 3"/>
+          <p:cNvPr id="4" name="Content Placeholder 3" title=""/>
           <p:cNvSpPr>
             <a:spLocks noGrp="1"/>
           </p:cNvSpPr>
@@ -1738,7 +1738,7 @@
       </p:sp>
       <p:sp>
         <p:nvSpPr>
-          <p:cNvPr id="5" name="Text Placeholder 4"/>
+          <p:cNvPr id="5" name="Text Placeholder 4" title=""/>
           <p:cNvSpPr>
             <a:spLocks noGrp="1"/>
           </p:cNvSpPr>
@@ -1797,7 +1797,7 @@
       </p:sp>
       <p:sp>
         <p:nvSpPr>
-          <p:cNvPr id="6" name="Content Placeholder 5"/>
+          <p:cNvPr id="6" name="Content Placeholder 5" title=""/>
           <p:cNvSpPr>
             <a:spLocks noGrp="1"/>
           </p:cNvSpPr>
@@ -1876,7 +1876,7 @@
       </p:sp>
       <p:sp>
         <p:nvSpPr>
-          <p:cNvPr id="7" name="Date Placeholder 6"/>
+          <p:cNvPr id="7" name="Date Placeholder 6" title=""/>
           <p:cNvSpPr>
             <a:spLocks noGrp="1"/>
           </p:cNvSpPr>
@@ -1889,7 +1889,7 @@
           <a:bodyPr/>
           <a:lstStyle/>
           <a:p>
-            <a:fld id="{88D7CD2D-B127-4393-99C8-7DAECCDC6BCF}" type="datetimeFigureOut">
+            <a:fld id="{A5AC6A04-A436-4B03-A5A5-88D6D7BF31C5}" type="datetimeFigureOut">
               <a:rPr lang="en-US" smtClean="0"/>
               <a:t>11/7/2009</a:t>
             </a:fld>
@@ -1899,7 +1899,7 @@
       </p:sp>
       <p:sp>
         <p:nvSpPr>
-          <p:cNvPr id="8" name="Footer Placeholder 7"/>
+          <p:cNvPr id="8" name="Footer Placeholder 7" title=""/>
           <p:cNvSpPr>
             <a:spLocks noGrp="1"/>
           </p:cNvSpPr>
@@ -1918,7 +1918,7 @@
       </p:sp>
       <p:sp>
         <p:nvSpPr>
-          <p:cNvPr id="9" name="Slide Number Placeholder 8"/>
+          <p:cNvPr id="9" name="Slide Number Placeholder 8" title=""/>
           <p:cNvSpPr>
             <a:spLocks noGrp="1"/>
           </p:cNvSpPr>
@@ -1950,11 +1950,11 @@
 </file>
 
 <file path=ppt/slideLayouts/slideLayout6.xml><?xml version="1.0" encoding="utf-8"?>
-<p:sldLayout xmlns:a="http://schemas.openxmlformats.org/drawingml/2006/main" xmlns:r="http://schemas.openxmlformats.org/officeDocument/2006/relationships" xmlns:p14="http://schemas.microsoft.com/office/powerpoint/2010/main" xmlns:a14="http://schemas.microsoft.com/office/drawing/2010/main" xmlns:p15="http://schemas.microsoft.com/office/powerpoint/2012/main" xmlns:p159="http://schemas.microsoft.com/office/powerpoint/2015/09/main" xmlns:p="http://schemas.openxmlformats.org/presentationml/2006/main" type="titleOnly" preserve="1">
+<p:sldLayout xmlns:a="http://schemas.openxmlformats.org/drawingml/2006/main" xmlns:r="http://schemas.openxmlformats.org/officeDocument/2006/relationships" xmlns:m="http://schemas.openxmlformats.org/officeDocument/2006/math" xmlns:w="http://schemas.openxmlformats.org/wordprocessingml/2006/main" xmlns:wp="http://schemas.openxmlformats.org/drawingml/2006/wordprocessingDrawing" xmlns:a14="http://schemas.microsoft.com/office/drawing/2010/main" xmlns:mc="http://schemas.openxmlformats.org/markup-compatibility/2006" xmlns:p14="http://schemas.microsoft.com/office/powerpoint/2010/main" xmlns:p15="http://schemas.microsoft.com/office/powerpoint/2012/main" xmlns:p159="http://schemas.microsoft.com/office/powerpoint/2015/09/main" xmlns:p="http://schemas.openxmlformats.org/presentationml/2006/main" type="titleOnly" preserve="1">
   <p:cSld name="Title Only">
     <p:spTree>
       <p:nvGrpSpPr>
-        <p:cNvPr id="1" name=""/>
+        <p:cNvPr id="1" name="" title=""/>
         <p:cNvGrpSpPr/>
         <p:nvPr/>
       </p:nvGrpSpPr>
@@ -1966,7 +1966,7 @@
       </p:grpSpPr>
       <p:sp>
         <p:nvSpPr>
-          <p:cNvPr id="2" name="Title 1"/>
+          <p:cNvPr id="2" name="Title 1" title=""/>
           <p:cNvSpPr>
             <a:spLocks noGrp="1"/>
           </p:cNvSpPr>
@@ -1989,7 +1989,7 @@
       </p:sp>
       <p:sp>
         <p:nvSpPr>
-          <p:cNvPr id="3" name="Date Placeholder 2"/>
+          <p:cNvPr id="3" name="Date Placeholder 2" title=""/>
           <p:cNvSpPr>
             <a:spLocks noGrp="1"/>
           </p:cNvSpPr>
@@ -2002,7 +2002,7 @@
           <a:bodyPr/>
           <a:lstStyle/>
           <a:p>
-            <a:fld id="{00ADF817-AF99-42B4-917E-57AFBAD37DE1}" type="datetimeFigureOut">
+            <a:fld id="{455495FB-40D9-4A48-99CF-0821E6348721}" type="datetimeFigureOut">
               <a:rPr lang="en-US" smtClean="0"/>
               <a:t>11/7/2009</a:t>
             </a:fld>
@@ -2012,7 +2012,7 @@
       </p:sp>
       <p:sp>
         <p:nvSpPr>
-          <p:cNvPr id="4" name="Footer Placeholder 3"/>
+          <p:cNvPr id="4" name="Footer Placeholder 3" title=""/>
           <p:cNvSpPr>
             <a:spLocks noGrp="1"/>
           </p:cNvSpPr>
@@ -2031,7 +2031,7 @@
       </p:sp>
       <p:sp>
         <p:nvSpPr>
-          <p:cNvPr id="5" name="Slide Number Placeholder 4"/>
+          <p:cNvPr id="5" name="Slide Number Placeholder 4" title=""/>
           <p:cNvSpPr>
             <a:spLocks noGrp="1"/>
           </p:cNvSpPr>
@@ -2063,11 +2063,11 @@
 </file>
 
 <file path=ppt/slideLayouts/slideLayout7.xml><?xml version="1.0" encoding="utf-8"?>
-<p:sldLayout xmlns:a="http://schemas.openxmlformats.org/drawingml/2006/main" xmlns:r="http://schemas.openxmlformats.org/officeDocument/2006/relationships" xmlns:p14="http://schemas.microsoft.com/office/powerpoint/2010/main" xmlns:a14="http://schemas.microsoft.com/office/drawing/2010/main" xmlns:p15="http://schemas.microsoft.com/office/powerpoint/2012/main" xmlns:p159="http://schemas.microsoft.com/office/powerpoint/2015/09/main" xmlns:p="http://schemas.openxmlformats.org/presentationml/2006/main" type="blank" preserve="1">
+<p:sldLayout xmlns:a="http://schemas.openxmlformats.org/drawingml/2006/main" xmlns:r="http://schemas.openxmlformats.org/officeDocument/2006/relationships" xmlns:m="http://schemas.openxmlformats.org/officeDocument/2006/math" xmlns:w="http://schemas.openxmlformats.org/wordprocessingml/2006/main" xmlns:wp="http://schemas.openxmlformats.org/drawingml/2006/wordprocessingDrawing" xmlns:a14="http://schemas.microsoft.com/office/drawing/2010/main" xmlns:mc="http://schemas.openxmlformats.org/markup-compatibility/2006" xmlns:p14="http://schemas.microsoft.com/office/powerpoint/2010/main" xmlns:p15="http://schemas.microsoft.com/office/powerpoint/2012/main" xmlns:p159="http://schemas.microsoft.com/office/powerpoint/2015/09/main" xmlns:p="http://schemas.openxmlformats.org/presentationml/2006/main" type="blank" preserve="1">
   <p:cSld name="Blank">
     <p:spTree>
       <p:nvGrpSpPr>
-        <p:cNvPr id="1" name=""/>
+        <p:cNvPr id="1" name="" title=""/>
         <p:cNvGrpSpPr/>
         <p:nvPr/>
       </p:nvGrpSpPr>
@@ -2079,7 +2079,7 @@
       </p:grpSpPr>
       <p:sp>
         <p:nvSpPr>
-          <p:cNvPr id="2" name="Date Placeholder 1"/>
+          <p:cNvPr id="2" name="Date Placeholder 1" title=""/>
           <p:cNvSpPr>
             <a:spLocks noGrp="1"/>
           </p:cNvSpPr>
@@ -2092,7 +2092,7 @@
           <a:bodyPr/>
           <a:lstStyle/>
           <a:p>
-            <a:fld id="{5F4A03D3-D6A0-43DF-B7FF-4F52412E4F49}" type="datetimeFigureOut">
+            <a:fld id="{E5B617C8-3138-400A-9615-CBB8ED69EE90}" type="datetimeFigureOut">
               <a:rPr lang="en-US" smtClean="0"/>
               <a:t>11/7/2009</a:t>
             </a:fld>
@@ -2102,7 +2102,7 @@
       </p:sp>
       <p:sp>
         <p:nvSpPr>
-          <p:cNvPr id="3" name="Footer Placeholder 2"/>
+          <p:cNvPr id="3" name="Footer Placeholder 2" title=""/>
           <p:cNvSpPr>
             <a:spLocks noGrp="1"/>
           </p:cNvSpPr>
@@ -2121,7 +2121,7 @@
       </p:sp>
       <p:sp>
         <p:nvSpPr>
-          <p:cNvPr id="4" name="Slide Number Placeholder 3"/>
+          <p:cNvPr id="4" name="Slide Number Placeholder 3" title=""/>
           <p:cNvSpPr>
             <a:spLocks noGrp="1"/>
           </p:cNvSpPr>
@@ -2153,11 +2153,11 @@
 </file>
 
 <file path=ppt/slideLayouts/slideLayout8.xml><?xml version="1.0" encoding="utf-8"?>
-<p:sldLayout xmlns:a="http://schemas.openxmlformats.org/drawingml/2006/main" xmlns:r="http://schemas.openxmlformats.org/officeDocument/2006/relationships" xmlns:p14="http://schemas.microsoft.com/office/powerpoint/2010/main" xmlns:a14="http://schemas.microsoft.com/office/drawing/2010/main" xmlns:p15="http://schemas.microsoft.com/office/powerpoint/2012/main" xmlns:p159="http://schemas.microsoft.com/office/powerpoint/2015/09/main" xmlns:p="http://schemas.openxmlformats.org/presentationml/2006/main" type="objTx" preserve="1">
+<p:sldLayout xmlns:a="http://schemas.openxmlformats.org/drawingml/2006/main" xmlns:r="http://schemas.openxmlformats.org/officeDocument/2006/relationships" xmlns:m="http://schemas.openxmlformats.org/officeDocument/2006/math" xmlns:w="http://schemas.openxmlformats.org/wordprocessingml/2006/main" xmlns:wp="http://schemas.openxmlformats.org/drawingml/2006/wordprocessingDrawing" xmlns:a14="http://schemas.microsoft.com/office/drawing/2010/main" xmlns:mc="http://schemas.openxmlformats.org/markup-compatibility/2006" xmlns:p14="http://schemas.microsoft.com/office/powerpoint/2010/main" xmlns:p15="http://schemas.microsoft.com/office/powerpoint/2012/main" xmlns:p159="http://schemas.microsoft.com/office/powerpoint/2015/09/main" xmlns:p="http://schemas.openxmlformats.org/presentationml/2006/main" type="objTx" preserve="1">
   <p:cSld name="Content with Caption">
     <p:spTree>
       <p:nvGrpSpPr>
-        <p:cNvPr id="1" name=""/>
+        <p:cNvPr id="1" name="" title=""/>
         <p:cNvGrpSpPr/>
         <p:nvPr/>
       </p:nvGrpSpPr>
@@ -2169,7 +2169,7 @@
       </p:grpSpPr>
       <p:sp>
         <p:nvSpPr>
-          <p:cNvPr id="2" name="Title 1"/>
+          <p:cNvPr id="2" name="Title 1" title=""/>
           <p:cNvSpPr>
             <a:spLocks noGrp="1"/>
           </p:cNvSpPr>
@@ -2196,7 +2196,7 @@
       </p:sp>
       <p:sp>
         <p:nvSpPr>
-          <p:cNvPr id="3" name="Content Placeholder 2"/>
+          <p:cNvPr id="3" name="Content Placeholder 2" title=""/>
           <p:cNvSpPr>
             <a:spLocks noGrp="1"/>
           </p:cNvSpPr>
@@ -2275,7 +2275,7 @@
       </p:sp>
       <p:sp>
         <p:nvSpPr>
-          <p:cNvPr id="4" name="Text Placeholder 3"/>
+          <p:cNvPr id="4" name="Text Placeholder 3" title=""/>
           <p:cNvSpPr>
             <a:spLocks noGrp="1"/>
           </p:cNvSpPr>
@@ -2334,7 +2334,7 @@
       </p:sp>
       <p:sp>
         <p:nvSpPr>
-          <p:cNvPr id="5" name="Date Placeholder 4"/>
+          <p:cNvPr id="5" name="Date Placeholder 4" title=""/>
           <p:cNvSpPr>
             <a:spLocks noGrp="1"/>
           </p:cNvSpPr>
@@ -2347,7 +2347,7 @@
           <a:bodyPr/>
           <a:lstStyle/>
           <a:p>
-            <a:fld id="{9370AC5F-105E-4A0D-838A-35A9E03F7FFB}" type="datetimeFigureOut">
+            <a:fld id="{FFE62973-2389-4B7E-B25B-EB91017586CB}" type="datetimeFigureOut">
               <a:rPr lang="en-US" smtClean="0"/>
               <a:t>11/7/2009</a:t>
             </a:fld>
@@ -2357,7 +2357,7 @@
       </p:sp>
       <p:sp>
         <p:nvSpPr>
-          <p:cNvPr id="6" name="Footer Placeholder 5"/>
+          <p:cNvPr id="6" name="Footer Placeholder 5" title=""/>
           <p:cNvSpPr>
             <a:spLocks noGrp="1"/>
           </p:cNvSpPr>
@@ -2376,7 +2376,7 @@
       </p:sp>
       <p:sp>
         <p:nvSpPr>
-          <p:cNvPr id="7" name="Slide Number Placeholder 6"/>
+          <p:cNvPr id="7" name="Slide Number Placeholder 6" title=""/>
           <p:cNvSpPr>
             <a:spLocks noGrp="1"/>
           </p:cNvSpPr>
@@ -2408,11 +2408,11 @@
 </file>
 
 <file path=ppt/slideLayouts/slideLayout9.xml><?xml version="1.0" encoding="utf-8"?>
-<p:sldLayout xmlns:a="http://schemas.openxmlformats.org/drawingml/2006/main" xmlns:r="http://schemas.openxmlformats.org/officeDocument/2006/relationships" xmlns:p14="http://schemas.microsoft.com/office/powerpoint/2010/main" xmlns:a14="http://schemas.microsoft.com/office/drawing/2010/main" xmlns:p15="http://schemas.microsoft.com/office/powerpoint/2012/main" xmlns:p159="http://schemas.microsoft.com/office/powerpoint/2015/09/main" xmlns:p="http://schemas.openxmlformats.org/presentationml/2006/main" type="picTx" preserve="1">
+<p:sldLayout xmlns:a="http://schemas.openxmlformats.org/drawingml/2006/main" xmlns:r="http://schemas.openxmlformats.org/officeDocument/2006/relationships" xmlns:m="http://schemas.openxmlformats.org/officeDocument/2006/math" xmlns:w="http://schemas.openxmlformats.org/wordprocessingml/2006/main" xmlns:wp="http://schemas.openxmlformats.org/drawingml/2006/wordprocessingDrawing" xmlns:a14="http://schemas.microsoft.com/office/drawing/2010/main" xmlns:mc="http://schemas.openxmlformats.org/markup-compatibility/2006" xmlns:p14="http://schemas.microsoft.com/office/powerpoint/2010/main" xmlns:p15="http://schemas.microsoft.com/office/powerpoint/2012/main" xmlns:p159="http://schemas.microsoft.com/office/powerpoint/2015/09/main" xmlns:p="http://schemas.openxmlformats.org/presentationml/2006/main" type="picTx" preserve="1">
   <p:cSld name="Picture with Caption">
     <p:spTree>
       <p:nvGrpSpPr>
-        <p:cNvPr id="1" name=""/>
+        <p:cNvPr id="1" name="" title=""/>
         <p:cNvGrpSpPr/>
         <p:nvPr/>
       </p:nvGrpSpPr>
@@ -2424,7 +2424,7 @@
       </p:grpSpPr>
       <p:sp>
         <p:nvSpPr>
-          <p:cNvPr id="2" name="Title 1"/>
+          <p:cNvPr id="2" name="Title 1" title=""/>
           <p:cNvSpPr>
             <a:spLocks noGrp="1"/>
           </p:cNvSpPr>
@@ -2451,7 +2451,7 @@
       </p:sp>
       <p:sp>
         <p:nvSpPr>
-          <p:cNvPr id="3" name="Picture Placeholder 2"/>
+          <p:cNvPr id="3" name="Picture Placeholder 2" title=""/>
           <p:cNvSpPr>
             <a:spLocks noGrp="1"/>
           </p:cNvSpPr>
@@ -2507,7 +2507,7 @@
       </p:sp>
       <p:sp>
         <p:nvSpPr>
-          <p:cNvPr id="4" name="Text Placeholder 3"/>
+          <p:cNvPr id="4" name="Text Placeholder 3" title=""/>
           <p:cNvSpPr>
             <a:spLocks noGrp="1"/>
           </p:cNvSpPr>
@@ -2566,7 +2566,7 @@
       </p:sp>
       <p:sp>
         <p:nvSpPr>
-          <p:cNvPr id="5" name="Date Placeholder 4"/>
+          <p:cNvPr id="5" name="Date Placeholder 4" title=""/>
           <p:cNvSpPr>
             <a:spLocks noGrp="1"/>
           </p:cNvSpPr>
@@ -2579,7 +2579,7 @@
           <a:bodyPr/>
           <a:lstStyle/>
           <a:p>
-            <a:fld id="{B8CF53E0-3713-4F2E-92BA-0EB25A00D570}" type="datetimeFigureOut">
+            <a:fld id="{DAF53ABC-1E1F-47D9-9430-8A02A267027A}" type="datetimeFigureOut">
               <a:rPr lang="en-US" smtClean="0"/>
               <a:t>11/7/2009</a:t>
             </a:fld>
@@ -2589,7 +2589,7 @@
       </p:sp>
       <p:sp>
         <p:nvSpPr>
-          <p:cNvPr id="6" name="Footer Placeholder 5"/>
+          <p:cNvPr id="6" name="Footer Placeholder 5" title=""/>
           <p:cNvSpPr>
             <a:spLocks noGrp="1"/>
           </p:cNvSpPr>
@@ -2608,7 +2608,7 @@
       </p:sp>
       <p:sp>
         <p:nvSpPr>
-          <p:cNvPr id="7" name="Slide Number Placeholder 6"/>
+          <p:cNvPr id="7" name="Slide Number Placeholder 6" title=""/>
           <p:cNvSpPr>
             <a:spLocks noGrp="1"/>
           </p:cNvSpPr>
@@ -2640,7 +2640,7 @@
 </file>
 
 <file path=ppt/slideMasters/slideMaster1.xml><?xml version="1.0" encoding="utf-8"?>
-<p:sldMaster xmlns:a="http://schemas.openxmlformats.org/drawingml/2006/main" xmlns:r="http://schemas.openxmlformats.org/officeDocument/2006/relationships" xmlns:p14="http://schemas.microsoft.com/office/powerpoint/2010/main" xmlns:a14="http://schemas.microsoft.com/office/drawing/2010/main" xmlns:p15="http://schemas.microsoft.com/office/powerpoint/2012/main" xmlns:p159="http://schemas.microsoft.com/office/powerpoint/2015/09/main" xmlns:p="http://schemas.openxmlformats.org/presentationml/2006/main">
+<p:sldMaster xmlns:a="http://schemas.openxmlformats.org/drawingml/2006/main" xmlns:r="http://schemas.openxmlformats.org/officeDocument/2006/relationships" xmlns:m="http://schemas.openxmlformats.org/officeDocument/2006/math" xmlns:w="http://schemas.openxmlformats.org/wordprocessingml/2006/main" xmlns:wp="http://schemas.openxmlformats.org/drawingml/2006/wordprocessingDrawing" xmlns:a14="http://schemas.microsoft.com/office/drawing/2010/main" xmlns:mc="http://schemas.openxmlformats.org/markup-compatibility/2006" xmlns:p14="http://schemas.microsoft.com/office/powerpoint/2010/main" xmlns:p15="http://schemas.microsoft.com/office/powerpoint/2012/main" xmlns:p159="http://schemas.microsoft.com/office/powerpoint/2015/09/main" xmlns:p="http://schemas.openxmlformats.org/presentationml/2006/main">
   <p:cSld>
     <p:bg>
       <p:bgRef idx="1001">
@@ -2649,7 +2649,7 @@
     </p:bg>
     <p:spTree>
       <p:nvGrpSpPr>
-        <p:cNvPr id="1" name=""/>
+        <p:cNvPr id="1" name="" title=""/>
         <p:cNvGrpSpPr/>
         <p:nvPr/>
       </p:nvGrpSpPr>
@@ -2661,7 +2661,7 @@
       </p:grpSpPr>
       <p:sp>
         <p:nvSpPr>
-          <p:cNvPr id="2" name="Title Placeholder 1"/>
+          <p:cNvPr id="2" name="Title Placeholder 1" title=""/>
           <p:cNvSpPr>
             <a:spLocks noGrp="1"/>
           </p:cNvSpPr>
@@ -2694,7 +2694,7 @@
       </p:sp>
       <p:sp>
         <p:nvSpPr>
-          <p:cNvPr id="3" name="Text Placeholder 2"/>
+          <p:cNvPr id="3" name="Text Placeholder 2" title=""/>
           <p:cNvSpPr>
             <a:spLocks noGrp="1"/>
           </p:cNvSpPr>
@@ -2755,7 +2755,7 @@
       </p:sp>
       <p:sp>
         <p:nvSpPr>
-          <p:cNvPr id="4" name="Date Placeholder 3"/>
+          <p:cNvPr id="4" name="Date Placeholder 3" title=""/>
           <p:cNvSpPr>
             <a:spLocks noGrp="1"/>
           </p:cNvSpPr>
@@ -2796,7 +2796,7 @@
       </p:sp>
       <p:sp>
         <p:nvSpPr>
-          <p:cNvPr id="5" name="Footer Placeholder 4"/>
+          <p:cNvPr id="5" name="Footer Placeholder 4" title=""/>
           <p:cNvSpPr>
             <a:spLocks noGrp="1"/>
           </p:cNvSpPr>
@@ -2833,7 +2833,7 @@
       </p:sp>
       <p:sp>
         <p:nvSpPr>
-          <p:cNvPr id="6" name="Slide Number Placeholder 5"/>
+          <p:cNvPr id="6" name="Slide Number Placeholder 5" title=""/>
           <p:cNvSpPr>
             <a:spLocks noGrp="1"/>
           </p:cNvSpPr>
@@ -3144,11 +3144,11 @@
 </file>
 
 <file path=ppt/slides/slide1.xml><?xml version="1.0" encoding="utf-8"?>
-<p:sld xmlns:a="http://schemas.openxmlformats.org/drawingml/2006/main" xmlns:r="http://schemas.openxmlformats.org/officeDocument/2006/relationships" xmlns:p14="http://schemas.microsoft.com/office/powerpoint/2010/main" xmlns:a14="http://schemas.microsoft.com/office/drawing/2010/main" xmlns:p15="http://schemas.microsoft.com/office/powerpoint/2012/main" xmlns:p159="http://schemas.microsoft.com/office/powerpoint/2015/09/main" xmlns:p="http://schemas.openxmlformats.org/presentationml/2006/main">
+<p:sld xmlns:a="http://schemas.openxmlformats.org/drawingml/2006/main" xmlns:r="http://schemas.openxmlformats.org/officeDocument/2006/relationships" xmlns:m="http://schemas.openxmlformats.org/officeDocument/2006/math" xmlns:w="http://schemas.openxmlformats.org/wordprocessingml/2006/main" xmlns:wp="http://schemas.openxmlformats.org/drawingml/2006/wordprocessingDrawing" xmlns:a14="http://schemas.microsoft.com/office/drawing/2010/main" xmlns:mc="http://schemas.openxmlformats.org/markup-compatibility/2006" xmlns:p14="http://schemas.microsoft.com/office/powerpoint/2010/main" xmlns:p15="http://schemas.microsoft.com/office/powerpoint/2012/main" xmlns:p159="http://schemas.microsoft.com/office/powerpoint/2015/09/main" xmlns:p="http://schemas.openxmlformats.org/presentationml/2006/main">
   <p:cSld name="">
     <p:spTree>
       <p:nvGrpSpPr>
-        <p:cNvPr id="1" name=""/>
+        <p:cNvPr id="1" name="" title=""/>
         <p:cNvGrpSpPr/>
         <p:nvPr/>
       </p:nvGrpSpPr>
@@ -3160,7 +3160,7 @@
       </p:grpSpPr>
       <p:graphicFrame>
         <p:nvGraphicFramePr>
-          <p:cNvPr id="2" name="ChartObject"/>
+          <p:cNvPr id="2" name="ChartObject" title=""/>
           <p:cNvGraphicFramePr/>
           <p:nvPr/>
         </p:nvGraphicFramePr>
@@ -3174,6 +3174,77 @@
           </a:graphicData>
         </a:graphic>
       </p:graphicFrame>
+      <p:sp>
+        <p:nvSpPr>
+          <p:cNvPr id="3" name="TextBox"/>
+          <p:cNvSpPr txBox="1">
+            <a:spLocks noGrp="1" noSelect="1" noRot="1" noMove="1"/>
+          </p:cNvSpPr>
+          <p:nvPr/>
+        </p:nvSpPr>
+        <p:spPr>
+          <a:xfrm>
+            <a:off x="1366520" y="2644140"/>
+            <a:ext cx="6411372" cy="1569660"/>
+          </a:xfrm>
+          <a:prstGeom prst="rect">
+            <a:avLst/>
+          </a:prstGeom>
+          <a:noFill/>
+        </p:spPr>
+        <p:txBody>
+          <a:bodyPr wrap="none" rtlCol="0" anchor="ctr" anchorCtr="1">
+            <a:spAutoFit/>
+          </a:bodyPr>
+          <a:lstStyle>
+            <a:lvl1pPr algn="l">
+              <a:lnSpc>
+                <a:spcPct val="150000"/>
+              </a:lnSpc>
+              <a:spcBef>
+                <a:spcPct val="0"/>
+              </a:spcBef>
+              <a:spcAft>
+                <a:spcPct val="0"/>
+              </a:spcAft>
+              <a:defRPr lang="en-US" sz="3200" b="1" noProof="1" dirty="0">
+                <a:solidFill>
+                  <a:prstClr val="red">
+                    <a:lumOff val="30000"/>
+                    <a:alpha val="40000"/>
+                  </a:prstClr>
+                </a:solidFill>
+                <a:effectLst>
+                  <a:outerShdw blurRad="50800" dist="38100" algn="tr" rotWithShape="0">
+                    <a:prstClr val="black">
+                      <a:alpha val="80000"/>
+                    </a:prstClr>
+                  </a:outerShdw>
+                </a:effectLst>
+                <a:latin typeface="Calibri" pitchFamily="34" charset="0"/>
+              </a:defRPr>
+            </a:lvl1pPr>
+          </a:lstStyle>
+          <a:p>
+            <a:pPr algn="ctr"/>
+            <a:r>
+              <a:t>Evaluation only.</a:t>
+            </a:r>
+          </a:p>
+          <a:p>
+            <a:pPr algn="ctr"/>
+            <a:r>
+              <a:t>Created with Aspose.Slides for .NET 4.0 Client Profile 21.12.</a:t>
+            </a:r>
+          </a:p>
+          <a:p>
+            <a:pPr algn="ctr"/>
+            <a:r>
+              <a:t>Copyright 2004-2021Aspose Pty Ltd.</a:t>
+            </a:r>
+          </a:p>
+        </p:txBody>
+      </p:sp>
     </p:spTree>
   </p:cSld>
   <p:clrMapOvr>
@@ -3187,10 +3258,10 @@
 <file path=ppt/tags/tag1.xml><?xml version="1.0" encoding="utf-8"?>
 <p:tagLst xmlns:p="http://schemas.openxmlformats.org/presentationml/2006/main">
   <p:tag name="AS_NET" val="4.0.30319.42000"/>
-  <p:tag name="AS_OS" val="Microsoft Windows NT 6.2.9200.0"/>
-  <p:tag name="AS_RELEASE_DATE" val="2019.06.14"/>
+  <p:tag name="AS_OS" val="Microsoft Windows NT 6.3.9600.0"/>
+  <p:tag name="AS_RELEASE_DATE" val="2021.12.14"/>
   <p:tag name="AS_TITLE" val="Aspose.Slides for .NET 4.0 Client Profile"/>
-  <p:tag name="AS_VERSION" val="19.6"/>
+  <p:tag name="AS_VERSION" val="21.12"/>
 </p:tagLst>
 </file>
 
